--- a/slides/NashFP welcome slides.pptx
+++ b/slides/NashFP welcome slides.pptx
@@ -108,7 +108,7 @@
   </p:defaultTextStyle>
   <p:extLst>
     <p:ext uri="{EFAFB233-063F-42B5-8137-9DF3F51BA10A}">
-      <p15:sldGuideLst xmlns:p15="http://schemas.microsoft.com/office/powerpoint/2012/main">
+      <p15:sldGuideLst xmlns:p15="http://schemas.microsoft.com/office/powerpoint/2012/main" xmlns="">
         <p15:guide id="1" orient="horz" pos="2160">
           <p15:clr>
             <a:srgbClr val="A4A3A4"/>
@@ -306,7 +306,7 @@
           <a:p>
             <a:fld id="{70DA29B5-F68A-4347-A81F-74730A59407E}" type="datetimeFigureOut">
               <a:rPr lang="en-US" smtClean="0"/>
-              <a:t>8/27/2013</a:t>
+              <a:t>4/22/14</a:t>
             </a:fld>
             <a:endParaRPr lang="en-US"/>
           </a:p>
@@ -476,7 +476,7 @@
           <a:p>
             <a:fld id="{70DA29B5-F68A-4347-A81F-74730A59407E}" type="datetimeFigureOut">
               <a:rPr lang="en-US" smtClean="0"/>
-              <a:t>8/27/2013</a:t>
+              <a:t>4/22/14</a:t>
             </a:fld>
             <a:endParaRPr lang="en-US"/>
           </a:p>
@@ -656,7 +656,7 @@
           <a:p>
             <a:fld id="{70DA29B5-F68A-4347-A81F-74730A59407E}" type="datetimeFigureOut">
               <a:rPr lang="en-US" smtClean="0"/>
-              <a:t>8/27/2013</a:t>
+              <a:t>4/22/14</a:t>
             </a:fld>
             <a:endParaRPr lang="en-US"/>
           </a:p>
@@ -826,7 +826,7 @@
           <a:p>
             <a:fld id="{70DA29B5-F68A-4347-A81F-74730A59407E}" type="datetimeFigureOut">
               <a:rPr lang="en-US" smtClean="0"/>
-              <a:t>8/27/2013</a:t>
+              <a:t>4/22/14</a:t>
             </a:fld>
             <a:endParaRPr lang="en-US"/>
           </a:p>
@@ -1072,7 +1072,7 @@
           <a:p>
             <a:fld id="{70DA29B5-F68A-4347-A81F-74730A59407E}" type="datetimeFigureOut">
               <a:rPr lang="en-US" smtClean="0"/>
-              <a:t>8/27/2013</a:t>
+              <a:t>4/22/14</a:t>
             </a:fld>
             <a:endParaRPr lang="en-US"/>
           </a:p>
@@ -1360,7 +1360,7 @@
           <a:p>
             <a:fld id="{70DA29B5-F68A-4347-A81F-74730A59407E}" type="datetimeFigureOut">
               <a:rPr lang="en-US" smtClean="0"/>
-              <a:t>8/27/2013</a:t>
+              <a:t>4/22/14</a:t>
             </a:fld>
             <a:endParaRPr lang="en-US"/>
           </a:p>
@@ -1782,7 +1782,7 @@
           <a:p>
             <a:fld id="{70DA29B5-F68A-4347-A81F-74730A59407E}" type="datetimeFigureOut">
               <a:rPr lang="en-US" smtClean="0"/>
-              <a:t>8/27/2013</a:t>
+              <a:t>4/22/14</a:t>
             </a:fld>
             <a:endParaRPr lang="en-US"/>
           </a:p>
@@ -1900,7 +1900,7 @@
           <a:p>
             <a:fld id="{70DA29B5-F68A-4347-A81F-74730A59407E}" type="datetimeFigureOut">
               <a:rPr lang="en-US" smtClean="0"/>
-              <a:t>8/27/2013</a:t>
+              <a:t>4/22/14</a:t>
             </a:fld>
             <a:endParaRPr lang="en-US"/>
           </a:p>
@@ -1995,7 +1995,7 @@
           <a:p>
             <a:fld id="{70DA29B5-F68A-4347-A81F-74730A59407E}" type="datetimeFigureOut">
               <a:rPr lang="en-US" smtClean="0"/>
-              <a:t>8/27/2013</a:t>
+              <a:t>4/22/14</a:t>
             </a:fld>
             <a:endParaRPr lang="en-US"/>
           </a:p>
@@ -2272,7 +2272,7 @@
           <a:p>
             <a:fld id="{70DA29B5-F68A-4347-A81F-74730A59407E}" type="datetimeFigureOut">
               <a:rPr lang="en-US" smtClean="0"/>
-              <a:t>8/27/2013</a:t>
+              <a:t>4/22/14</a:t>
             </a:fld>
             <a:endParaRPr lang="en-US"/>
           </a:p>
@@ -2525,7 +2525,7 @@
           <a:p>
             <a:fld id="{70DA29B5-F68A-4347-A81F-74730A59407E}" type="datetimeFigureOut">
               <a:rPr lang="en-US" smtClean="0"/>
-              <a:t>8/27/2013</a:t>
+              <a:t>4/22/14</a:t>
             </a:fld>
             <a:endParaRPr lang="en-US"/>
           </a:p>
@@ -2738,7 +2738,7 @@
           <a:p>
             <a:fld id="{70DA29B5-F68A-4347-A81F-74730A59407E}" type="datetimeFigureOut">
               <a:rPr lang="en-US" smtClean="0"/>
-              <a:t>8/27/2013</a:t>
+              <a:t>4/22/14</a:t>
             </a:fld>
             <a:endParaRPr lang="en-US"/>
           </a:p>
@@ -3149,8 +3149,8 @@
         </p:nvSpPr>
         <p:spPr>
           <a:xfrm>
-            <a:off x="304800" y="6091535"/>
-            <a:ext cx="5410200" cy="461665"/>
+            <a:off x="381000" y="5867400"/>
+            <a:ext cx="5410200" cy="830997"/>
           </a:xfrm>
           <a:prstGeom prst="rect">
             <a:avLst/>
@@ -3165,15 +3165,30 @@
           <a:p>
             <a:r>
               <a:rPr lang="en-US" sz="2400" dirty="0" smtClean="0"/>
-              <a:t>WIFI </a:t>
-            </a:r>
-            <a:r>
-              <a:rPr lang="en-US" sz="2400" dirty="0"/>
-              <a:t>SSID </a:t>
+              <a:t>WIFI SSID: </a:t>
+            </a:r>
+            <a:r>
+              <a:rPr lang="en-US" sz="2400" dirty="0" err="1" smtClean="0"/>
+              <a:t>emma</a:t>
             </a:r>
             <a:r>
               <a:rPr lang="en-US" sz="2400" dirty="0" smtClean="0"/>
-              <a:t>“GUESTNET” Key “21208thave”</a:t>
+              <a:t> &lt;3</a:t>
+            </a:r>
+            <a:br>
+              <a:rPr lang="en-US" sz="2400" dirty="0" smtClean="0"/>
+            </a:br>
+            <a:r>
+              <a:rPr lang="en-US" sz="2400" dirty="0" smtClean="0"/>
+              <a:t>user: </a:t>
+            </a:r>
+            <a:r>
+              <a:rPr lang="en-US" sz="2400" dirty="0" err="1" smtClean="0"/>
+              <a:t>emma</a:t>
+            </a:r>
+            <a:r>
+              <a:rPr lang="en-US" sz="2400" dirty="0" smtClean="0"/>
+              <a:t>       password: 11Lea</a:t>
             </a:r>
             <a:endParaRPr lang="en-US" sz="2400" dirty="0"/>
           </a:p>
@@ -3187,8 +3202,8 @@
         </p:nvSpPr>
         <p:spPr>
           <a:xfrm>
-            <a:off x="6390043" y="6091535"/>
-            <a:ext cx="2372957" cy="461665"/>
+            <a:off x="6019800" y="5867400"/>
+            <a:ext cx="2514600" cy="461665"/>
           </a:xfrm>
           <a:prstGeom prst="rect">
             <a:avLst/>
@@ -3196,14 +3211,18 @@
           <a:noFill/>
         </p:spPr>
         <p:txBody>
-          <a:bodyPr wrap="none" rtlCol="0">
+          <a:bodyPr wrap="square" rtlCol="0">
             <a:spAutoFit/>
           </a:bodyPr>
           <a:lstStyle/>
           <a:p>
             <a:r>
               <a:rPr lang="en-US" sz="2400" dirty="0" smtClean="0"/>
-              <a:t>Twitter : #</a:t>
+              <a:t>Twitter : </a:t>
+            </a:r>
+            <a:r>
+              <a:rPr lang="en-US" sz="2400" dirty="0" smtClean="0"/>
+              <a:t>#</a:t>
             </a:r>
             <a:r>
               <a:rPr lang="en-US" sz="2400" dirty="0" err="1" smtClean="0"/>
@@ -3235,7 +3254,7 @@
         </p:blipFill>
         <p:spPr>
           <a:xfrm>
-            <a:off x="1219200" y="990600"/>
+            <a:off x="1219200" y="762000"/>
             <a:ext cx="6705600" cy="2826447"/>
           </a:xfrm>
           <a:prstGeom prst="rect">
@@ -3265,7 +3284,7 @@
         </p:blipFill>
         <p:spPr>
           <a:xfrm>
-            <a:off x="1477178" y="4114773"/>
+            <a:off x="1506557" y="3962400"/>
             <a:ext cx="1295400" cy="1288923"/>
           </a:xfrm>
           <a:prstGeom prst="rect">
@@ -3295,7 +3314,7 @@
         </p:blipFill>
         <p:spPr>
           <a:xfrm>
-            <a:off x="6523821" y="4114773"/>
+            <a:off x="6553200" y="3962400"/>
             <a:ext cx="1052700" cy="1288922"/>
           </a:xfrm>
           <a:prstGeom prst="rect">
@@ -3326,7 +3345,7 @@
         </p:blipFill>
         <p:spPr bwMode="auto">
           <a:xfrm>
-            <a:off x="3352800" y="4343400"/>
+            <a:off x="3382179" y="4191027"/>
             <a:ext cx="2505464" cy="777991"/>
           </a:xfrm>
           <a:prstGeom prst="rect">
@@ -3334,7 +3353,7 @@
           </a:prstGeom>
           <a:noFill/>
           <a:extLst>
-            <a:ext uri="{909E8E84-426E-40DD-AFC4-6F175D3DCCD1}">
+            <a:ext uri="{909E8E84-426E-40dd-AFC4-6F175D3DCCD1}">
               <a14:hiddenFill xmlns:a14="http://schemas.microsoft.com/office/drawing/2010/main">
                 <a:solidFill>
                   <a:srgbClr val="FFFFFF"/>
@@ -3357,7 +3376,7 @@
   <p:timing>
     <p:tnLst>
       <p:par>
-        <p:cTn id="1" dur="indefinite" restart="never" nodeType="tmRoot"/>
+        <p:cTn xmlns:p14="http://schemas.microsoft.com/office/powerpoint/2010/main" id="1" dur="indefinite" restart="never" nodeType="tmRoot"/>
       </p:par>
     </p:tnLst>
   </p:timing>
@@ -3439,7 +3458,7 @@
   <p:timing>
     <p:tnLst>
       <p:par>
-        <p:cTn id="1" dur="indefinite" restart="never" nodeType="tmRoot"/>
+        <p:cTn xmlns:p14="http://schemas.microsoft.com/office/powerpoint/2010/main" id="1" dur="indefinite" restart="never" nodeType="tmRoot"/>
       </p:par>
     </p:tnLst>
   </p:timing>
@@ -3494,7 +3513,7 @@
           </a:prstGeom>
           <a:noFill/>
           <a:extLst>
-            <a:ext uri="{909E8E84-426E-40DD-AFC4-6F175D3DCCD1}">
+            <a:ext uri="{909E8E84-426E-40dd-AFC4-6F175D3DCCD1}">
               <a14:hiddenFill xmlns:a14="http://schemas.microsoft.com/office/drawing/2010/main">
                 <a:solidFill>
                   <a:srgbClr val="FFFFFF"/>
@@ -3622,18 +3641,18 @@
   <p:clrMapOvr>
     <a:masterClrMapping/>
   </p:clrMapOvr>
-  <mc:AlternateContent xmlns:mc="http://schemas.openxmlformats.org/markup-compatibility/2006" xmlns:p14="http://schemas.microsoft.com/office/powerpoint/2010/main">
-    <mc:Choice Requires="p14">
+  <mc:AlternateContent xmlns:mc="http://schemas.openxmlformats.org/markup-compatibility/2006">
+    <mc:Choice xmlns:p14="http://schemas.microsoft.com/office/powerpoint/2010/main" Requires="p14">
       <p:transition spd="slow" p14:dur="2000"/>
     </mc:Choice>
-    <mc:Fallback xmlns="">
-      <p:transition spd="slow"/>
+    <mc:Fallback>
+      <p:transition xmlns:p14="http://schemas.microsoft.com/office/powerpoint/2010/main" spd="slow"/>
     </mc:Fallback>
   </mc:AlternateContent>
   <p:timing>
     <p:tnLst>
       <p:par>
-        <p:cTn id="1" dur="indefinite" restart="never" nodeType="tmRoot"/>
+        <p:cTn xmlns:p14="http://schemas.microsoft.com/office/powerpoint/2010/main" id="1" dur="indefinite" restart="never" nodeType="tmRoot"/>
       </p:par>
     </p:tnLst>
   </p:timing>

--- a/slides/NashFP welcome slides.pptx
+++ b/slides/NashFP welcome slides.pptx
@@ -108,7 +108,7 @@
   </p:defaultTextStyle>
   <p:extLst>
     <p:ext uri="{EFAFB233-063F-42B5-8137-9DF3F51BA10A}">
-      <p15:sldGuideLst xmlns:p15="http://schemas.microsoft.com/office/powerpoint/2012/main" xmlns="">
+      <p15:sldGuideLst xmlns:p15="http://schemas.microsoft.com/office/powerpoint/2012/main">
         <p15:guide id="1" orient="horz" pos="2160">
           <p15:clr>
             <a:srgbClr val="A4A3A4"/>
@@ -306,7 +306,7 @@
           <a:p>
             <a:fld id="{70DA29B5-F68A-4347-A81F-74730A59407E}" type="datetimeFigureOut">
               <a:rPr lang="en-US" smtClean="0"/>
-              <a:t>4/22/14</a:t>
+              <a:t>6/28/16</a:t>
             </a:fld>
             <a:endParaRPr lang="en-US"/>
           </a:p>
@@ -476,7 +476,7 @@
           <a:p>
             <a:fld id="{70DA29B5-F68A-4347-A81F-74730A59407E}" type="datetimeFigureOut">
               <a:rPr lang="en-US" smtClean="0"/>
-              <a:t>4/22/14</a:t>
+              <a:t>6/28/16</a:t>
             </a:fld>
             <a:endParaRPr lang="en-US"/>
           </a:p>
@@ -656,7 +656,7 @@
           <a:p>
             <a:fld id="{70DA29B5-F68A-4347-A81F-74730A59407E}" type="datetimeFigureOut">
               <a:rPr lang="en-US" smtClean="0"/>
-              <a:t>4/22/14</a:t>
+              <a:t>6/28/16</a:t>
             </a:fld>
             <a:endParaRPr lang="en-US"/>
           </a:p>
@@ -826,7 +826,7 @@
           <a:p>
             <a:fld id="{70DA29B5-F68A-4347-A81F-74730A59407E}" type="datetimeFigureOut">
               <a:rPr lang="en-US" smtClean="0"/>
-              <a:t>4/22/14</a:t>
+              <a:t>6/28/16</a:t>
             </a:fld>
             <a:endParaRPr lang="en-US"/>
           </a:p>
@@ -1072,7 +1072,7 @@
           <a:p>
             <a:fld id="{70DA29B5-F68A-4347-A81F-74730A59407E}" type="datetimeFigureOut">
               <a:rPr lang="en-US" smtClean="0"/>
-              <a:t>4/22/14</a:t>
+              <a:t>6/28/16</a:t>
             </a:fld>
             <a:endParaRPr lang="en-US"/>
           </a:p>
@@ -1360,7 +1360,7 @@
           <a:p>
             <a:fld id="{70DA29B5-F68A-4347-A81F-74730A59407E}" type="datetimeFigureOut">
               <a:rPr lang="en-US" smtClean="0"/>
-              <a:t>4/22/14</a:t>
+              <a:t>6/28/16</a:t>
             </a:fld>
             <a:endParaRPr lang="en-US"/>
           </a:p>
@@ -1782,7 +1782,7 @@
           <a:p>
             <a:fld id="{70DA29B5-F68A-4347-A81F-74730A59407E}" type="datetimeFigureOut">
               <a:rPr lang="en-US" smtClean="0"/>
-              <a:t>4/22/14</a:t>
+              <a:t>6/28/16</a:t>
             </a:fld>
             <a:endParaRPr lang="en-US"/>
           </a:p>
@@ -1900,7 +1900,7 @@
           <a:p>
             <a:fld id="{70DA29B5-F68A-4347-A81F-74730A59407E}" type="datetimeFigureOut">
               <a:rPr lang="en-US" smtClean="0"/>
-              <a:t>4/22/14</a:t>
+              <a:t>6/28/16</a:t>
             </a:fld>
             <a:endParaRPr lang="en-US"/>
           </a:p>
@@ -1995,7 +1995,7 @@
           <a:p>
             <a:fld id="{70DA29B5-F68A-4347-A81F-74730A59407E}" type="datetimeFigureOut">
               <a:rPr lang="en-US" smtClean="0"/>
-              <a:t>4/22/14</a:t>
+              <a:t>6/28/16</a:t>
             </a:fld>
             <a:endParaRPr lang="en-US"/>
           </a:p>
@@ -2272,7 +2272,7 @@
           <a:p>
             <a:fld id="{70DA29B5-F68A-4347-A81F-74730A59407E}" type="datetimeFigureOut">
               <a:rPr lang="en-US" smtClean="0"/>
-              <a:t>4/22/14</a:t>
+              <a:t>6/28/16</a:t>
             </a:fld>
             <a:endParaRPr lang="en-US"/>
           </a:p>
@@ -2525,7 +2525,7 @@
           <a:p>
             <a:fld id="{70DA29B5-F68A-4347-A81F-74730A59407E}" type="datetimeFigureOut">
               <a:rPr lang="en-US" smtClean="0"/>
-              <a:t>4/22/14</a:t>
+              <a:t>6/28/16</a:t>
             </a:fld>
             <a:endParaRPr lang="en-US"/>
           </a:p>
@@ -2738,7 +2738,7 @@
           <a:p>
             <a:fld id="{70DA29B5-F68A-4347-A81F-74730A59407E}" type="datetimeFigureOut">
               <a:rPr lang="en-US" smtClean="0"/>
-              <a:t>4/22/14</a:t>
+              <a:t>6/28/16</a:t>
             </a:fld>
             <a:endParaRPr lang="en-US"/>
           </a:p>
@@ -3188,7 +3188,15 @@
             </a:r>
             <a:r>
               <a:rPr lang="en-US" sz="2400" dirty="0" smtClean="0"/>
-              <a:t>       password: 11Lea</a:t>
+              <a:t>       password: </a:t>
+            </a:r>
+            <a:r>
+              <a:rPr lang="en-US" sz="2400" dirty="0" err="1" smtClean="0"/>
+              <a:t>emma</a:t>
+            </a:r>
+            <a:r>
+              <a:rPr lang="en-US" sz="2400" dirty="0" smtClean="0"/>
+              <a:t>-guest</a:t>
             </a:r>
             <a:endParaRPr lang="en-US" sz="2400" dirty="0"/>
           </a:p>
@@ -3218,11 +3226,7 @@
           <a:p>
             <a:r>
               <a:rPr lang="en-US" sz="2400" dirty="0" smtClean="0"/>
-              <a:t>Twitter : </a:t>
-            </a:r>
-            <a:r>
-              <a:rPr lang="en-US" sz="2400" dirty="0" smtClean="0"/>
-              <a:t>#</a:t>
+              <a:t>Twitter : #</a:t>
             </a:r>
             <a:r>
               <a:rPr lang="en-US" sz="2400" dirty="0" err="1" smtClean="0"/>
@@ -3264,14 +3268,14 @@
       </p:pic>
       <p:pic>
         <p:nvPicPr>
-          <p:cNvPr id="8" name="Picture 7"/>
+          <p:cNvPr id="9" name="Picture 8"/>
           <p:cNvPicPr>
             <a:picLocks noChangeAspect="1"/>
           </p:cNvPicPr>
           <p:nvPr/>
         </p:nvPicPr>
         <p:blipFill>
-          <a:blip r:embed="rId3">
+          <a:blip r:embed="rId3" cstate="print">
             <a:extLst>
               <a:ext uri="{28A0092B-C50C-407E-A947-70E740481C1C}">
                 <a14:useLocalDpi xmlns:a14="http://schemas.microsoft.com/office/drawing/2010/main" val="0"/>
@@ -3284,8 +3288,8 @@
         </p:blipFill>
         <p:spPr>
           <a:xfrm>
-            <a:off x="1506557" y="3962400"/>
-            <a:ext cx="1295400" cy="1288923"/>
+            <a:off x="6206815" y="3787432"/>
+            <a:ext cx="1052700" cy="1288922"/>
           </a:xfrm>
           <a:prstGeom prst="rect">
             <a:avLst/>
@@ -3294,14 +3298,14 @@
       </p:pic>
       <p:pic>
         <p:nvPicPr>
-          <p:cNvPr id="9" name="Picture 8"/>
+          <p:cNvPr id="3" name="Picture 2"/>
           <p:cNvPicPr>
             <a:picLocks noChangeAspect="1"/>
           </p:cNvPicPr>
           <p:nvPr/>
         </p:nvPicPr>
         <p:blipFill>
-          <a:blip r:embed="rId4" cstate="print">
+          <a:blip r:embed="rId4">
             <a:extLst>
               <a:ext uri="{28A0092B-C50C-407E-A947-70E740481C1C}">
                 <a14:useLocalDpi xmlns:a14="http://schemas.microsoft.com/office/drawing/2010/main" val="0"/>
@@ -3314,53 +3318,12 @@
         </p:blipFill>
         <p:spPr>
           <a:xfrm>
-            <a:off x="6553200" y="3962400"/>
-            <a:ext cx="1052700" cy="1288922"/>
+            <a:off x="1219200" y="3913352"/>
+            <a:ext cx="2819400" cy="1163002"/>
           </a:xfrm>
           <a:prstGeom prst="rect">
             <a:avLst/>
           </a:prstGeom>
-        </p:spPr>
-      </p:pic>
-      <p:pic>
-        <p:nvPicPr>
-          <p:cNvPr id="1028" name="Picture 4" descr="http://spinscale.github.io/elasticsearch/img-jugm/logo.png"/>
-          <p:cNvPicPr>
-            <a:picLocks noChangeAspect="1" noChangeArrowheads="1"/>
-          </p:cNvPicPr>
-          <p:nvPr/>
-        </p:nvPicPr>
-        <p:blipFill>
-          <a:blip r:embed="rId5">
-            <a:extLst>
-              <a:ext uri="{28A0092B-C50C-407E-A947-70E740481C1C}">
-                <a14:useLocalDpi xmlns:a14="http://schemas.microsoft.com/office/drawing/2010/main" val="0"/>
-              </a:ext>
-            </a:extLst>
-          </a:blip>
-          <a:srcRect/>
-          <a:stretch>
-            <a:fillRect/>
-          </a:stretch>
-        </p:blipFill>
-        <p:spPr bwMode="auto">
-          <a:xfrm>
-            <a:off x="3382179" y="4191027"/>
-            <a:ext cx="2505464" cy="777991"/>
-          </a:xfrm>
-          <a:prstGeom prst="rect">
-            <a:avLst/>
-          </a:prstGeom>
-          <a:noFill/>
-          <a:extLst>
-            <a:ext uri="{909E8E84-426E-40dd-AFC4-6F175D3DCCD1}">
-              <a14:hiddenFill xmlns:a14="http://schemas.microsoft.com/office/drawing/2010/main">
-                <a:solidFill>
-                  <a:srgbClr val="FFFFFF"/>
-                </a:solidFill>
-              </a14:hiddenFill>
-            </a:ext>
-          </a:extLst>
         </p:spPr>
       </p:pic>
     </p:spTree>
@@ -3376,7 +3339,7 @@
   <p:timing>
     <p:tnLst>
       <p:par>
-        <p:cTn xmlns:p14="http://schemas.microsoft.com/office/powerpoint/2010/main" id="1" dur="indefinite" restart="never" nodeType="tmRoot"/>
+        <p:cTn id="1" dur="indefinite" restart="never" nodeType="tmRoot"/>
       </p:par>
     </p:tnLst>
   </p:timing>
@@ -3458,7 +3421,7 @@
   <p:timing>
     <p:tnLst>
       <p:par>
-        <p:cTn xmlns:p14="http://schemas.microsoft.com/office/powerpoint/2010/main" id="1" dur="indefinite" restart="never" nodeType="tmRoot"/>
+        <p:cTn id="1" dur="indefinite" restart="never" nodeType="tmRoot"/>
       </p:par>
     </p:tnLst>
   </p:timing>
@@ -3514,7 +3477,7 @@
           <a:noFill/>
           <a:extLst>
             <a:ext uri="{909E8E84-426E-40dd-AFC4-6F175D3DCCD1}">
-              <a14:hiddenFill xmlns:a14="http://schemas.microsoft.com/office/drawing/2010/main">
+              <a14:hiddenFill xmlns:a14="http://schemas.microsoft.com/office/drawing/2010/main" xmlns="">
                 <a:solidFill>
                   <a:srgbClr val="FFFFFF"/>
                 </a:solidFill>
@@ -3646,13 +3609,13 @@
       <p:transition spd="slow" p14:dur="2000"/>
     </mc:Choice>
     <mc:Fallback>
-      <p:transition xmlns:p14="http://schemas.microsoft.com/office/powerpoint/2010/main" spd="slow"/>
+      <p:transition spd="slow"/>
     </mc:Fallback>
   </mc:AlternateContent>
   <p:timing>
     <p:tnLst>
       <p:par>
-        <p:cTn xmlns:p14="http://schemas.microsoft.com/office/powerpoint/2010/main" id="1" dur="indefinite" restart="never" nodeType="tmRoot"/>
+        <p:cTn id="1" dur="indefinite" restart="never" nodeType="tmRoot"/>
       </p:par>
     </p:tnLst>
   </p:timing>

--- a/slides/NashFP welcome slides.pptx
+++ b/slides/NashFP welcome slides.pptx
@@ -4,10 +4,14 @@
   <p:sldMasterIdLst>
     <p:sldMasterId id="2147483648" r:id="rId1"/>
   </p:sldMasterIdLst>
+  <p:notesMasterIdLst>
+    <p:notesMasterId r:id="rId6"/>
+  </p:notesMasterIdLst>
   <p:sldIdLst>
     <p:sldId id="257" r:id="rId2"/>
-    <p:sldId id="258" r:id="rId3"/>
-    <p:sldId id="256" r:id="rId4"/>
+    <p:sldId id="259" r:id="rId3"/>
+    <p:sldId id="258" r:id="rId4"/>
+    <p:sldId id="256" r:id="rId5"/>
   </p:sldIdLst>
   <p:sldSz cx="9144000" cy="6858000" type="screen4x3"/>
   <p:notesSz cx="6858000" cy="9144000"/>
@@ -125,6 +129,440 @@
 </p:presentation>
 </file>
 
+<file path=ppt/notesMasters/notesMaster1.xml><?xml version="1.0" encoding="utf-8"?>
+<p:notesMaster xmlns:a="http://schemas.openxmlformats.org/drawingml/2006/main" xmlns:r="http://schemas.openxmlformats.org/officeDocument/2006/relationships" xmlns:p="http://schemas.openxmlformats.org/presentationml/2006/main">
+  <p:cSld>
+    <p:bg>
+      <p:bgRef idx="1001">
+        <a:schemeClr val="bg1"/>
+      </p:bgRef>
+    </p:bg>
+    <p:spTree>
+      <p:nvGrpSpPr>
+        <p:cNvPr id="1" name=""/>
+        <p:cNvGrpSpPr/>
+        <p:nvPr/>
+      </p:nvGrpSpPr>
+      <p:grpSpPr>
+        <a:xfrm>
+          <a:off x="0" y="0"/>
+          <a:ext cx="0" cy="0"/>
+          <a:chOff x="0" y="0"/>
+          <a:chExt cx="0" cy="0"/>
+        </a:xfrm>
+      </p:grpSpPr>
+      <p:sp>
+        <p:nvSpPr>
+          <p:cNvPr id="2" name="Header Placeholder 1"/>
+          <p:cNvSpPr>
+            <a:spLocks noGrp="1"/>
+          </p:cNvSpPr>
+          <p:nvPr>
+            <p:ph type="hdr" sz="quarter"/>
+          </p:nvPr>
+        </p:nvSpPr>
+        <p:spPr>
+          <a:xfrm>
+            <a:off x="0" y="0"/>
+            <a:ext cx="2971800" cy="458788"/>
+          </a:xfrm>
+          <a:prstGeom prst="rect">
+            <a:avLst/>
+          </a:prstGeom>
+        </p:spPr>
+        <p:txBody>
+          <a:bodyPr vert="horz" lIns="91440" tIns="45720" rIns="91440" bIns="45720" rtlCol="0"/>
+          <a:lstStyle>
+            <a:lvl1pPr algn="l">
+              <a:defRPr sz="1200"/>
+            </a:lvl1pPr>
+          </a:lstStyle>
+          <a:p>
+            <a:endParaRPr lang="en-US"/>
+          </a:p>
+        </p:txBody>
+      </p:sp>
+      <p:sp>
+        <p:nvSpPr>
+          <p:cNvPr id="3" name="Date Placeholder 2"/>
+          <p:cNvSpPr>
+            <a:spLocks noGrp="1"/>
+          </p:cNvSpPr>
+          <p:nvPr>
+            <p:ph type="dt" idx="1"/>
+          </p:nvPr>
+        </p:nvSpPr>
+        <p:spPr>
+          <a:xfrm>
+            <a:off x="3884613" y="0"/>
+            <a:ext cx="2971800" cy="458788"/>
+          </a:xfrm>
+          <a:prstGeom prst="rect">
+            <a:avLst/>
+          </a:prstGeom>
+        </p:spPr>
+        <p:txBody>
+          <a:bodyPr vert="horz" lIns="91440" tIns="45720" rIns="91440" bIns="45720" rtlCol="0"/>
+          <a:lstStyle>
+            <a:lvl1pPr algn="r">
+              <a:defRPr sz="1200"/>
+            </a:lvl1pPr>
+          </a:lstStyle>
+          <a:p>
+            <a:fld id="{69A719E6-6E32-E143-A29A-E929AC0D1036}" type="datetimeFigureOut">
+              <a:rPr lang="en-US" smtClean="0"/>
+              <a:t>10/25/16</a:t>
+            </a:fld>
+            <a:endParaRPr lang="en-US"/>
+          </a:p>
+        </p:txBody>
+      </p:sp>
+      <p:sp>
+        <p:nvSpPr>
+          <p:cNvPr id="4" name="Slide Image Placeholder 3"/>
+          <p:cNvSpPr>
+            <a:spLocks noGrp="1" noRot="1" noChangeAspect="1"/>
+          </p:cNvSpPr>
+          <p:nvPr>
+            <p:ph type="sldImg" idx="2"/>
+          </p:nvPr>
+        </p:nvSpPr>
+        <p:spPr>
+          <a:xfrm>
+            <a:off x="1371600" y="1143000"/>
+            <a:ext cx="4114800" cy="3086100"/>
+          </a:xfrm>
+          <a:prstGeom prst="rect">
+            <a:avLst/>
+          </a:prstGeom>
+          <a:noFill/>
+          <a:ln w="12700">
+            <a:solidFill>
+              <a:prstClr val="black"/>
+            </a:solidFill>
+          </a:ln>
+        </p:spPr>
+        <p:txBody>
+          <a:bodyPr vert="horz" lIns="91440" tIns="45720" rIns="91440" bIns="45720" rtlCol="0" anchor="ctr"/>
+          <a:lstStyle/>
+          <a:p>
+            <a:endParaRPr lang="en-US"/>
+          </a:p>
+        </p:txBody>
+      </p:sp>
+      <p:sp>
+        <p:nvSpPr>
+          <p:cNvPr id="5" name="Notes Placeholder 4"/>
+          <p:cNvSpPr>
+            <a:spLocks noGrp="1"/>
+          </p:cNvSpPr>
+          <p:nvPr>
+            <p:ph type="body" sz="quarter" idx="3"/>
+          </p:nvPr>
+        </p:nvSpPr>
+        <p:spPr>
+          <a:xfrm>
+            <a:off x="685800" y="4400550"/>
+            <a:ext cx="5486400" cy="3600450"/>
+          </a:xfrm>
+          <a:prstGeom prst="rect">
+            <a:avLst/>
+          </a:prstGeom>
+        </p:spPr>
+        <p:txBody>
+          <a:bodyPr vert="horz" lIns="91440" tIns="45720" rIns="91440" bIns="45720" rtlCol="0"/>
+          <a:lstStyle/>
+          <a:p>
+            <a:pPr lvl="0"/>
+            <a:r>
+              <a:rPr lang="en-US" smtClean="0"/>
+              <a:t>Click to edit Master text styles</a:t>
+            </a:r>
+          </a:p>
+          <a:p>
+            <a:pPr lvl="1"/>
+            <a:r>
+              <a:rPr lang="en-US" smtClean="0"/>
+              <a:t>Second level</a:t>
+            </a:r>
+          </a:p>
+          <a:p>
+            <a:pPr lvl="2"/>
+            <a:r>
+              <a:rPr lang="en-US" smtClean="0"/>
+              <a:t>Third level</a:t>
+            </a:r>
+          </a:p>
+          <a:p>
+            <a:pPr lvl="3"/>
+            <a:r>
+              <a:rPr lang="en-US" smtClean="0"/>
+              <a:t>Fourth level</a:t>
+            </a:r>
+          </a:p>
+          <a:p>
+            <a:pPr lvl="4"/>
+            <a:r>
+              <a:rPr lang="en-US" smtClean="0"/>
+              <a:t>Fifth level</a:t>
+            </a:r>
+            <a:endParaRPr lang="en-US"/>
+          </a:p>
+        </p:txBody>
+      </p:sp>
+      <p:sp>
+        <p:nvSpPr>
+          <p:cNvPr id="6" name="Footer Placeholder 5"/>
+          <p:cNvSpPr>
+            <a:spLocks noGrp="1"/>
+          </p:cNvSpPr>
+          <p:nvPr>
+            <p:ph type="ftr" sz="quarter" idx="4"/>
+          </p:nvPr>
+        </p:nvSpPr>
+        <p:spPr>
+          <a:xfrm>
+            <a:off x="0" y="8685213"/>
+            <a:ext cx="2971800" cy="458787"/>
+          </a:xfrm>
+          <a:prstGeom prst="rect">
+            <a:avLst/>
+          </a:prstGeom>
+        </p:spPr>
+        <p:txBody>
+          <a:bodyPr vert="horz" lIns="91440" tIns="45720" rIns="91440" bIns="45720" rtlCol="0" anchor="b"/>
+          <a:lstStyle>
+            <a:lvl1pPr algn="l">
+              <a:defRPr sz="1200"/>
+            </a:lvl1pPr>
+          </a:lstStyle>
+          <a:p>
+            <a:endParaRPr lang="en-US"/>
+          </a:p>
+        </p:txBody>
+      </p:sp>
+      <p:sp>
+        <p:nvSpPr>
+          <p:cNvPr id="7" name="Slide Number Placeholder 6"/>
+          <p:cNvSpPr>
+            <a:spLocks noGrp="1"/>
+          </p:cNvSpPr>
+          <p:nvPr>
+            <p:ph type="sldNum" sz="quarter" idx="5"/>
+          </p:nvPr>
+        </p:nvSpPr>
+        <p:spPr>
+          <a:xfrm>
+            <a:off x="3884613" y="8685213"/>
+            <a:ext cx="2971800" cy="458787"/>
+          </a:xfrm>
+          <a:prstGeom prst="rect">
+            <a:avLst/>
+          </a:prstGeom>
+        </p:spPr>
+        <p:txBody>
+          <a:bodyPr vert="horz" lIns="91440" tIns="45720" rIns="91440" bIns="45720" rtlCol="0" anchor="b"/>
+          <a:lstStyle>
+            <a:lvl1pPr algn="r">
+              <a:defRPr sz="1200"/>
+            </a:lvl1pPr>
+          </a:lstStyle>
+          <a:p>
+            <a:fld id="{52B3CCF7-35BF-8848-9960-080918FF31E2}" type="slidenum">
+              <a:rPr lang="en-US" smtClean="0"/>
+              <a:t>‹#›</a:t>
+            </a:fld>
+            <a:endParaRPr lang="en-US"/>
+          </a:p>
+        </p:txBody>
+      </p:sp>
+    </p:spTree>
+    <p:extLst>
+      <p:ext uri="{BB962C8B-B14F-4D97-AF65-F5344CB8AC3E}">
+        <p14:creationId xmlns:p14="http://schemas.microsoft.com/office/powerpoint/2010/main" val="1788932992"/>
+      </p:ext>
+    </p:extLst>
+  </p:cSld>
+  <p:clrMap bg1="lt1" tx1="dk1" bg2="lt2" tx2="dk2" accent1="accent1" accent2="accent2" accent3="accent3" accent4="accent4" accent5="accent5" accent6="accent6" hlink="hlink" folHlink="folHlink"/>
+  <p:notesStyle>
+    <a:lvl1pPr marL="0" algn="l" defTabSz="914400" rtl="0" eaLnBrk="1" latinLnBrk="0" hangingPunct="1">
+      <a:defRPr sz="1200" kern="1200">
+        <a:solidFill>
+          <a:schemeClr val="tx1"/>
+        </a:solidFill>
+        <a:latin typeface="+mn-lt"/>
+        <a:ea typeface="+mn-ea"/>
+        <a:cs typeface="+mn-cs"/>
+      </a:defRPr>
+    </a:lvl1pPr>
+    <a:lvl2pPr marL="457200" algn="l" defTabSz="914400" rtl="0" eaLnBrk="1" latinLnBrk="0" hangingPunct="1">
+      <a:defRPr sz="1200" kern="1200">
+        <a:solidFill>
+          <a:schemeClr val="tx1"/>
+        </a:solidFill>
+        <a:latin typeface="+mn-lt"/>
+        <a:ea typeface="+mn-ea"/>
+        <a:cs typeface="+mn-cs"/>
+      </a:defRPr>
+    </a:lvl2pPr>
+    <a:lvl3pPr marL="914400" algn="l" defTabSz="914400" rtl="0" eaLnBrk="1" latinLnBrk="0" hangingPunct="1">
+      <a:defRPr sz="1200" kern="1200">
+        <a:solidFill>
+          <a:schemeClr val="tx1"/>
+        </a:solidFill>
+        <a:latin typeface="+mn-lt"/>
+        <a:ea typeface="+mn-ea"/>
+        <a:cs typeface="+mn-cs"/>
+      </a:defRPr>
+    </a:lvl3pPr>
+    <a:lvl4pPr marL="1371600" algn="l" defTabSz="914400" rtl="0" eaLnBrk="1" latinLnBrk="0" hangingPunct="1">
+      <a:defRPr sz="1200" kern="1200">
+        <a:solidFill>
+          <a:schemeClr val="tx1"/>
+        </a:solidFill>
+        <a:latin typeface="+mn-lt"/>
+        <a:ea typeface="+mn-ea"/>
+        <a:cs typeface="+mn-cs"/>
+      </a:defRPr>
+    </a:lvl4pPr>
+    <a:lvl5pPr marL="1828800" algn="l" defTabSz="914400" rtl="0" eaLnBrk="1" latinLnBrk="0" hangingPunct="1">
+      <a:defRPr sz="1200" kern="1200">
+        <a:solidFill>
+          <a:schemeClr val="tx1"/>
+        </a:solidFill>
+        <a:latin typeface="+mn-lt"/>
+        <a:ea typeface="+mn-ea"/>
+        <a:cs typeface="+mn-cs"/>
+      </a:defRPr>
+    </a:lvl5pPr>
+    <a:lvl6pPr marL="2286000" algn="l" defTabSz="914400" rtl="0" eaLnBrk="1" latinLnBrk="0" hangingPunct="1">
+      <a:defRPr sz="1200" kern="1200">
+        <a:solidFill>
+          <a:schemeClr val="tx1"/>
+        </a:solidFill>
+        <a:latin typeface="+mn-lt"/>
+        <a:ea typeface="+mn-ea"/>
+        <a:cs typeface="+mn-cs"/>
+      </a:defRPr>
+    </a:lvl6pPr>
+    <a:lvl7pPr marL="2743200" algn="l" defTabSz="914400" rtl="0" eaLnBrk="1" latinLnBrk="0" hangingPunct="1">
+      <a:defRPr sz="1200" kern="1200">
+        <a:solidFill>
+          <a:schemeClr val="tx1"/>
+        </a:solidFill>
+        <a:latin typeface="+mn-lt"/>
+        <a:ea typeface="+mn-ea"/>
+        <a:cs typeface="+mn-cs"/>
+      </a:defRPr>
+    </a:lvl7pPr>
+    <a:lvl8pPr marL="3200400" algn="l" defTabSz="914400" rtl="0" eaLnBrk="1" latinLnBrk="0" hangingPunct="1">
+      <a:defRPr sz="1200" kern="1200">
+        <a:solidFill>
+          <a:schemeClr val="tx1"/>
+        </a:solidFill>
+        <a:latin typeface="+mn-lt"/>
+        <a:ea typeface="+mn-ea"/>
+        <a:cs typeface="+mn-cs"/>
+      </a:defRPr>
+    </a:lvl8pPr>
+    <a:lvl9pPr marL="3657600" algn="l" defTabSz="914400" rtl="0" eaLnBrk="1" latinLnBrk="0" hangingPunct="1">
+      <a:defRPr sz="1200" kern="1200">
+        <a:solidFill>
+          <a:schemeClr val="tx1"/>
+        </a:solidFill>
+        <a:latin typeface="+mn-lt"/>
+        <a:ea typeface="+mn-ea"/>
+        <a:cs typeface="+mn-cs"/>
+      </a:defRPr>
+    </a:lvl9pPr>
+  </p:notesStyle>
+</p:notesMaster>
+</file>
+
+<file path=ppt/notesSlides/notesSlide1.xml><?xml version="1.0" encoding="utf-8"?>
+<p:notes xmlns:a="http://schemas.openxmlformats.org/drawingml/2006/main" xmlns:r="http://schemas.openxmlformats.org/officeDocument/2006/relationships" xmlns:p="http://schemas.openxmlformats.org/presentationml/2006/main">
+  <p:cSld>
+    <p:spTree>
+      <p:nvGrpSpPr>
+        <p:cNvPr id="1" name=""/>
+        <p:cNvGrpSpPr/>
+        <p:nvPr/>
+      </p:nvGrpSpPr>
+      <p:grpSpPr>
+        <a:xfrm>
+          <a:off x="0" y="0"/>
+          <a:ext cx="0" cy="0"/>
+          <a:chOff x="0" y="0"/>
+          <a:chExt cx="0" cy="0"/>
+        </a:xfrm>
+      </p:grpSpPr>
+      <p:sp>
+        <p:nvSpPr>
+          <p:cNvPr id="2" name="Slide Image Placeholder 1"/>
+          <p:cNvSpPr>
+            <a:spLocks noGrp="1" noRot="1" noChangeAspect="1"/>
+          </p:cNvSpPr>
+          <p:nvPr>
+            <p:ph type="sldImg"/>
+          </p:nvPr>
+        </p:nvSpPr>
+        <p:spPr/>
+      </p:sp>
+      <p:sp>
+        <p:nvSpPr>
+          <p:cNvPr id="3" name="Notes Placeholder 2"/>
+          <p:cNvSpPr>
+            <a:spLocks noGrp="1"/>
+          </p:cNvSpPr>
+          <p:nvPr>
+            <p:ph type="body" idx="1"/>
+          </p:nvPr>
+        </p:nvSpPr>
+        <p:spPr/>
+        <p:txBody>
+          <a:bodyPr/>
+          <a:lstStyle/>
+          <a:p>
+            <a:endParaRPr lang="en-US" dirty="0"/>
+          </a:p>
+        </p:txBody>
+      </p:sp>
+      <p:sp>
+        <p:nvSpPr>
+          <p:cNvPr id="4" name="Slide Number Placeholder 3"/>
+          <p:cNvSpPr>
+            <a:spLocks noGrp="1"/>
+          </p:cNvSpPr>
+          <p:nvPr>
+            <p:ph type="sldNum" sz="quarter" idx="10"/>
+          </p:nvPr>
+        </p:nvSpPr>
+        <p:spPr/>
+        <p:txBody>
+          <a:bodyPr/>
+          <a:lstStyle/>
+          <a:p>
+            <a:fld id="{52B3CCF7-35BF-8848-9960-080918FF31E2}" type="slidenum">
+              <a:rPr lang="en-US" smtClean="0"/>
+              <a:t>1</a:t>
+            </a:fld>
+            <a:endParaRPr lang="en-US"/>
+          </a:p>
+        </p:txBody>
+      </p:sp>
+    </p:spTree>
+    <p:extLst>
+      <p:ext uri="{BB962C8B-B14F-4D97-AF65-F5344CB8AC3E}">
+        <p14:creationId xmlns:p14="http://schemas.microsoft.com/office/powerpoint/2010/main" val="1825738544"/>
+      </p:ext>
+    </p:extLst>
+  </p:cSld>
+  <p:clrMapOvr>
+    <a:masterClrMapping/>
+  </p:clrMapOvr>
+</p:notes>
+</file>
+
 <file path=ppt/slideLayouts/slideLayout1.xml><?xml version="1.0" encoding="utf-8"?>
 <p:sldLayout xmlns:a="http://schemas.openxmlformats.org/drawingml/2006/main" xmlns:r="http://schemas.openxmlformats.org/officeDocument/2006/relationships" xmlns:p="http://schemas.openxmlformats.org/presentationml/2006/main" type="title" preserve="1">
   <p:cSld name="Title Slide">
@@ -306,7 +744,7 @@
           <a:p>
             <a:fld id="{70DA29B5-F68A-4347-A81F-74730A59407E}" type="datetimeFigureOut">
               <a:rPr lang="en-US" smtClean="0"/>
-              <a:t>6/28/16</a:t>
+              <a:t>10/25/16</a:t>
             </a:fld>
             <a:endParaRPr lang="en-US"/>
           </a:p>
@@ -476,7 +914,7 @@
           <a:p>
             <a:fld id="{70DA29B5-F68A-4347-A81F-74730A59407E}" type="datetimeFigureOut">
               <a:rPr lang="en-US" smtClean="0"/>
-              <a:t>6/28/16</a:t>
+              <a:t>10/25/16</a:t>
             </a:fld>
             <a:endParaRPr lang="en-US"/>
           </a:p>
@@ -656,7 +1094,7 @@
           <a:p>
             <a:fld id="{70DA29B5-F68A-4347-A81F-74730A59407E}" type="datetimeFigureOut">
               <a:rPr lang="en-US" smtClean="0"/>
-              <a:t>6/28/16</a:t>
+              <a:t>10/25/16</a:t>
             </a:fld>
             <a:endParaRPr lang="en-US"/>
           </a:p>
@@ -826,7 +1264,7 @@
           <a:p>
             <a:fld id="{70DA29B5-F68A-4347-A81F-74730A59407E}" type="datetimeFigureOut">
               <a:rPr lang="en-US" smtClean="0"/>
-              <a:t>6/28/16</a:t>
+              <a:t>10/25/16</a:t>
             </a:fld>
             <a:endParaRPr lang="en-US"/>
           </a:p>
@@ -1072,7 +1510,7 @@
           <a:p>
             <a:fld id="{70DA29B5-F68A-4347-A81F-74730A59407E}" type="datetimeFigureOut">
               <a:rPr lang="en-US" smtClean="0"/>
-              <a:t>6/28/16</a:t>
+              <a:t>10/25/16</a:t>
             </a:fld>
             <a:endParaRPr lang="en-US"/>
           </a:p>
@@ -1360,7 +1798,7 @@
           <a:p>
             <a:fld id="{70DA29B5-F68A-4347-A81F-74730A59407E}" type="datetimeFigureOut">
               <a:rPr lang="en-US" smtClean="0"/>
-              <a:t>6/28/16</a:t>
+              <a:t>10/25/16</a:t>
             </a:fld>
             <a:endParaRPr lang="en-US"/>
           </a:p>
@@ -1782,7 +2220,7 @@
           <a:p>
             <a:fld id="{70DA29B5-F68A-4347-A81F-74730A59407E}" type="datetimeFigureOut">
               <a:rPr lang="en-US" smtClean="0"/>
-              <a:t>6/28/16</a:t>
+              <a:t>10/25/16</a:t>
             </a:fld>
             <a:endParaRPr lang="en-US"/>
           </a:p>
@@ -1900,7 +2338,7 @@
           <a:p>
             <a:fld id="{70DA29B5-F68A-4347-A81F-74730A59407E}" type="datetimeFigureOut">
               <a:rPr lang="en-US" smtClean="0"/>
-              <a:t>6/28/16</a:t>
+              <a:t>10/25/16</a:t>
             </a:fld>
             <a:endParaRPr lang="en-US"/>
           </a:p>
@@ -1995,7 +2433,7 @@
           <a:p>
             <a:fld id="{70DA29B5-F68A-4347-A81F-74730A59407E}" type="datetimeFigureOut">
               <a:rPr lang="en-US" smtClean="0"/>
-              <a:t>6/28/16</a:t>
+              <a:t>10/25/16</a:t>
             </a:fld>
             <a:endParaRPr lang="en-US"/>
           </a:p>
@@ -2272,7 +2710,7 @@
           <a:p>
             <a:fld id="{70DA29B5-F68A-4347-A81F-74730A59407E}" type="datetimeFigureOut">
               <a:rPr lang="en-US" smtClean="0"/>
-              <a:t>6/28/16</a:t>
+              <a:t>10/25/16</a:t>
             </a:fld>
             <a:endParaRPr lang="en-US"/>
           </a:p>
@@ -2525,7 +2963,7 @@
           <a:p>
             <a:fld id="{70DA29B5-F68A-4347-A81F-74730A59407E}" type="datetimeFigureOut">
               <a:rPr lang="en-US" smtClean="0"/>
-              <a:t>6/28/16</a:t>
+              <a:t>10/25/16</a:t>
             </a:fld>
             <a:endParaRPr lang="en-US"/>
           </a:p>
@@ -2738,7 +3176,7 @@
           <a:p>
             <a:fld id="{70DA29B5-F68A-4347-A81F-74730A59407E}" type="datetimeFigureOut">
               <a:rPr lang="en-US" smtClean="0"/>
-              <a:t>6/28/16</a:t>
+              <a:t>10/25/16</a:t>
             </a:fld>
             <a:endParaRPr lang="en-US"/>
           </a:p>
@@ -3115,6 +3553,533 @@
       </p:grpSpPr>
       <p:sp>
         <p:nvSpPr>
+          <p:cNvPr id="11" name="Rectangle 10"/>
+          <p:cNvSpPr/>
+          <p:nvPr/>
+        </p:nvSpPr>
+        <p:spPr>
+          <a:xfrm>
+            <a:off x="0" y="5687468"/>
+            <a:ext cx="9144000" cy="1170532"/>
+          </a:xfrm>
+          <a:prstGeom prst="rect">
+            <a:avLst/>
+          </a:prstGeom>
+          <a:solidFill>
+            <a:schemeClr val="tx1">
+              <a:lumMod val="65000"/>
+              <a:lumOff val="35000"/>
+            </a:schemeClr>
+          </a:solidFill>
+          <a:ln>
+            <a:noFill/>
+          </a:ln>
+        </p:spPr>
+        <p:style>
+          <a:lnRef idx="2">
+            <a:schemeClr val="accent1">
+              <a:shade val="50000"/>
+            </a:schemeClr>
+          </a:lnRef>
+          <a:fillRef idx="1">
+            <a:schemeClr val="accent1"/>
+          </a:fillRef>
+          <a:effectRef idx="0">
+            <a:schemeClr val="accent1"/>
+          </a:effectRef>
+          <a:fontRef idx="minor">
+            <a:schemeClr val="lt1"/>
+          </a:fontRef>
+        </p:style>
+        <p:txBody>
+          <a:bodyPr rtlCol="0" anchor="ctr"/>
+          <a:lstStyle/>
+          <a:p>
+            <a:pPr algn="ctr"/>
+            <a:endParaRPr lang="en-US" sz="2000">
+              <a:solidFill>
+                <a:schemeClr val="bg1"/>
+              </a:solidFill>
+              <a:latin typeface="Consolas" charset="0"/>
+              <a:ea typeface="Consolas" charset="0"/>
+              <a:cs typeface="Consolas" charset="0"/>
+            </a:endParaRPr>
+          </a:p>
+        </p:txBody>
+      </p:sp>
+      <p:pic>
+        <p:nvPicPr>
+          <p:cNvPr id="7" name="Picture 6"/>
+          <p:cNvPicPr>
+            <a:picLocks noChangeAspect="1"/>
+          </p:cNvPicPr>
+          <p:nvPr/>
+        </p:nvPicPr>
+        <p:blipFill>
+          <a:blip r:embed="rId3">
+            <a:extLst>
+              <a:ext uri="{28A0092B-C50C-407E-A947-70E740481C1C}">
+                <a14:useLocalDpi xmlns:a14="http://schemas.microsoft.com/office/drawing/2010/main" val="0"/>
+              </a:ext>
+            </a:extLst>
+          </a:blip>
+          <a:stretch>
+            <a:fillRect/>
+          </a:stretch>
+        </p:blipFill>
+        <p:spPr>
+          <a:xfrm>
+            <a:off x="1638300" y="543973"/>
+            <a:ext cx="6019800" cy="2537879"/>
+          </a:xfrm>
+          <a:prstGeom prst="rect">
+            <a:avLst/>
+          </a:prstGeom>
+        </p:spPr>
+      </p:pic>
+      <p:sp>
+        <p:nvSpPr>
+          <p:cNvPr id="2" name="Title 1"/>
+          <p:cNvSpPr>
+            <a:spLocks noGrp="1"/>
+          </p:cNvSpPr>
+          <p:nvPr>
+            <p:ph type="ctrTitle"/>
+          </p:nvPr>
+        </p:nvSpPr>
+        <p:spPr>
+          <a:xfrm>
+            <a:off x="762000" y="76200"/>
+            <a:ext cx="7772400" cy="762000"/>
+          </a:xfrm>
+        </p:spPr>
+        <p:txBody>
+          <a:bodyPr>
+            <a:normAutofit/>
+          </a:bodyPr>
+          <a:lstStyle/>
+          <a:p>
+            <a:r>
+              <a:rPr lang="en-US" sz="3600" i="1" dirty="0" smtClean="0"/>
+              <a:t>Welcome to</a:t>
+            </a:r>
+            <a:endParaRPr lang="en-US" sz="3600" i="1" dirty="0"/>
+          </a:p>
+        </p:txBody>
+      </p:sp>
+      <p:sp>
+        <p:nvSpPr>
+          <p:cNvPr id="4" name="TextBox 3"/>
+          <p:cNvSpPr txBox="1"/>
+          <p:nvPr/>
+        </p:nvSpPr>
+        <p:spPr>
+          <a:xfrm>
+            <a:off x="685800" y="5766137"/>
+            <a:ext cx="5105400" cy="1015663"/>
+          </a:xfrm>
+          <a:prstGeom prst="rect">
+            <a:avLst/>
+          </a:prstGeom>
+          <a:noFill/>
+        </p:spPr>
+        <p:txBody>
+          <a:bodyPr wrap="square" rtlCol="0">
+            <a:spAutoFit/>
+          </a:bodyPr>
+          <a:lstStyle/>
+          <a:p>
+            <a:r>
+              <a:rPr lang="en-US" sz="2000" dirty="0" smtClean="0">
+                <a:solidFill>
+                  <a:schemeClr val="bg1"/>
+                </a:solidFill>
+                <a:latin typeface="Consolas" charset="0"/>
+                <a:ea typeface="Consolas" charset="0"/>
+                <a:cs typeface="Consolas" charset="0"/>
+              </a:rPr>
+              <a:t>WIFI SSID: </a:t>
+            </a:r>
+            <a:r>
+              <a:rPr lang="en-US" sz="2000" dirty="0" err="1" smtClean="0">
+                <a:solidFill>
+                  <a:schemeClr val="bg1"/>
+                </a:solidFill>
+                <a:latin typeface="Consolas" charset="0"/>
+                <a:ea typeface="Consolas" charset="0"/>
+                <a:cs typeface="Consolas" charset="0"/>
+              </a:rPr>
+              <a:t>emma</a:t>
+            </a:r>
+            <a:r>
+              <a:rPr lang="en-US" sz="2000" dirty="0" smtClean="0">
+                <a:solidFill>
+                  <a:schemeClr val="bg1"/>
+                </a:solidFill>
+                <a:latin typeface="Consolas" charset="0"/>
+                <a:ea typeface="Consolas" charset="0"/>
+                <a:cs typeface="Consolas" charset="0"/>
+              </a:rPr>
+              <a:t> &lt;3</a:t>
+            </a:r>
+            <a:br>
+              <a:rPr lang="en-US" sz="2000" dirty="0" smtClean="0">
+                <a:solidFill>
+                  <a:schemeClr val="bg1"/>
+                </a:solidFill>
+                <a:latin typeface="Consolas" charset="0"/>
+                <a:ea typeface="Consolas" charset="0"/>
+                <a:cs typeface="Consolas" charset="0"/>
+              </a:rPr>
+            </a:br>
+            <a:r>
+              <a:rPr lang="en-US" sz="2000" dirty="0" smtClean="0">
+                <a:solidFill>
+                  <a:schemeClr val="bg1"/>
+                </a:solidFill>
+                <a:latin typeface="Consolas" charset="0"/>
+                <a:ea typeface="Consolas" charset="0"/>
+                <a:cs typeface="Consolas" charset="0"/>
+              </a:rPr>
+              <a:t>     user</a:t>
+            </a:r>
+            <a:r>
+              <a:rPr lang="en-US" sz="2000" dirty="0" smtClean="0">
+                <a:solidFill>
+                  <a:schemeClr val="bg1"/>
+                </a:solidFill>
+                <a:latin typeface="Consolas" charset="0"/>
+                <a:ea typeface="Consolas" charset="0"/>
+                <a:cs typeface="Consolas" charset="0"/>
+              </a:rPr>
+              <a:t>: </a:t>
+            </a:r>
+            <a:r>
+              <a:rPr lang="en-US" sz="2000" dirty="0" err="1" smtClean="0">
+                <a:solidFill>
+                  <a:schemeClr val="bg1"/>
+                </a:solidFill>
+                <a:latin typeface="Consolas" charset="0"/>
+                <a:ea typeface="Consolas" charset="0"/>
+                <a:cs typeface="Consolas" charset="0"/>
+              </a:rPr>
+              <a:t>emma</a:t>
+            </a:r>
+            <a:r>
+              <a:rPr lang="en-US" sz="2000" dirty="0" smtClean="0">
+                <a:solidFill>
+                  <a:schemeClr val="bg1"/>
+                </a:solidFill>
+                <a:latin typeface="Consolas" charset="0"/>
+                <a:ea typeface="Consolas" charset="0"/>
+                <a:cs typeface="Consolas" charset="0"/>
+              </a:rPr>
+              <a:t>       </a:t>
+            </a:r>
+            <a:br>
+              <a:rPr lang="en-US" sz="2000" dirty="0" smtClean="0">
+                <a:solidFill>
+                  <a:schemeClr val="bg1"/>
+                </a:solidFill>
+                <a:latin typeface="Consolas" charset="0"/>
+                <a:ea typeface="Consolas" charset="0"/>
+                <a:cs typeface="Consolas" charset="0"/>
+              </a:rPr>
+            </a:br>
+            <a:r>
+              <a:rPr lang="en-US" sz="2000" dirty="0" smtClean="0">
+                <a:solidFill>
+                  <a:schemeClr val="bg1"/>
+                </a:solidFill>
+                <a:latin typeface="Consolas" charset="0"/>
+                <a:ea typeface="Consolas" charset="0"/>
+                <a:cs typeface="Consolas" charset="0"/>
+              </a:rPr>
+              <a:t> password</a:t>
+            </a:r>
+            <a:r>
+              <a:rPr lang="en-US" sz="2000" dirty="0" smtClean="0">
+                <a:solidFill>
+                  <a:schemeClr val="bg1"/>
+                </a:solidFill>
+                <a:latin typeface="Consolas" charset="0"/>
+                <a:ea typeface="Consolas" charset="0"/>
+                <a:cs typeface="Consolas" charset="0"/>
+              </a:rPr>
+              <a:t>: </a:t>
+            </a:r>
+            <a:r>
+              <a:rPr lang="en-US" sz="2000" dirty="0" err="1" smtClean="0">
+                <a:solidFill>
+                  <a:schemeClr val="bg1"/>
+                </a:solidFill>
+                <a:latin typeface="Consolas" charset="0"/>
+                <a:ea typeface="Consolas" charset="0"/>
+                <a:cs typeface="Consolas" charset="0"/>
+              </a:rPr>
+              <a:t>emma</a:t>
+            </a:r>
+            <a:r>
+              <a:rPr lang="en-US" sz="2000" dirty="0" smtClean="0">
+                <a:solidFill>
+                  <a:schemeClr val="bg1"/>
+                </a:solidFill>
+                <a:latin typeface="Consolas" charset="0"/>
+                <a:ea typeface="Consolas" charset="0"/>
+                <a:cs typeface="Consolas" charset="0"/>
+              </a:rPr>
+              <a:t>-guest</a:t>
+            </a:r>
+            <a:endParaRPr lang="en-US" sz="2000" dirty="0">
+              <a:solidFill>
+                <a:schemeClr val="bg1"/>
+              </a:solidFill>
+              <a:latin typeface="Consolas" charset="0"/>
+              <a:ea typeface="Consolas" charset="0"/>
+              <a:cs typeface="Consolas" charset="0"/>
+            </a:endParaRPr>
+          </a:p>
+        </p:txBody>
+      </p:sp>
+      <p:sp>
+        <p:nvSpPr>
+          <p:cNvPr id="6" name="TextBox 5"/>
+          <p:cNvSpPr txBox="1"/>
+          <p:nvPr/>
+        </p:nvSpPr>
+        <p:spPr>
+          <a:xfrm>
+            <a:off x="5410200" y="6072679"/>
+            <a:ext cx="3124200" cy="400110"/>
+          </a:xfrm>
+          <a:prstGeom prst="rect">
+            <a:avLst/>
+          </a:prstGeom>
+          <a:noFill/>
+        </p:spPr>
+        <p:txBody>
+          <a:bodyPr wrap="square" rtlCol="0">
+            <a:spAutoFit/>
+          </a:bodyPr>
+          <a:lstStyle/>
+          <a:p>
+            <a:pPr algn="r"/>
+            <a:r>
+              <a:rPr lang="en-US" sz="2000" dirty="0" smtClean="0">
+                <a:solidFill>
+                  <a:schemeClr val="bg1"/>
+                </a:solidFill>
+                <a:latin typeface="Consolas" charset="0"/>
+                <a:ea typeface="Consolas" charset="0"/>
+                <a:cs typeface="Consolas" charset="0"/>
+              </a:rPr>
+              <a:t>Twitter : #</a:t>
+            </a:r>
+            <a:r>
+              <a:rPr lang="en-US" sz="2000" dirty="0" err="1" smtClean="0">
+                <a:solidFill>
+                  <a:schemeClr val="bg1"/>
+                </a:solidFill>
+                <a:latin typeface="Consolas" charset="0"/>
+                <a:ea typeface="Consolas" charset="0"/>
+                <a:cs typeface="Consolas" charset="0"/>
+              </a:rPr>
+              <a:t>NashFP</a:t>
+            </a:r>
+            <a:endParaRPr lang="en-US" sz="2000" dirty="0">
+              <a:solidFill>
+                <a:schemeClr val="bg1"/>
+              </a:solidFill>
+              <a:latin typeface="Consolas" charset="0"/>
+              <a:ea typeface="Consolas" charset="0"/>
+              <a:cs typeface="Consolas" charset="0"/>
+            </a:endParaRPr>
+          </a:p>
+        </p:txBody>
+      </p:sp>
+      <p:pic>
+        <p:nvPicPr>
+          <p:cNvPr id="9" name="Picture 8"/>
+          <p:cNvPicPr>
+            <a:picLocks noChangeAspect="1"/>
+          </p:cNvPicPr>
+          <p:nvPr/>
+        </p:nvPicPr>
+        <p:blipFill>
+          <a:blip r:embed="rId4" cstate="print">
+            <a:extLst>
+              <a:ext uri="{28A0092B-C50C-407E-A947-70E740481C1C}">
+                <a14:useLocalDpi xmlns:a14="http://schemas.microsoft.com/office/drawing/2010/main" val="0"/>
+              </a:ext>
+            </a:extLst>
+          </a:blip>
+          <a:stretch>
+            <a:fillRect/>
+          </a:stretch>
+        </p:blipFill>
+        <p:spPr>
+          <a:xfrm>
+            <a:off x="1213164" y="3942421"/>
+            <a:ext cx="848662" cy="1039099"/>
+          </a:xfrm>
+          <a:prstGeom prst="rect">
+            <a:avLst/>
+          </a:prstGeom>
+        </p:spPr>
+      </p:pic>
+      <p:pic>
+        <p:nvPicPr>
+          <p:cNvPr id="5" name="Picture 4"/>
+          <p:cNvPicPr>
+            <a:picLocks noChangeAspect="1"/>
+          </p:cNvPicPr>
+          <p:nvPr/>
+        </p:nvPicPr>
+        <p:blipFill>
+          <a:blip r:embed="rId5">
+            <a:extLst>
+              <a:ext uri="{28A0092B-C50C-407E-A947-70E740481C1C}">
+                <a14:useLocalDpi xmlns:a14="http://schemas.microsoft.com/office/drawing/2010/main" val="0"/>
+              </a:ext>
+            </a:extLst>
+          </a:blip>
+          <a:stretch>
+            <a:fillRect/>
+          </a:stretch>
+        </p:blipFill>
+        <p:spPr>
+          <a:xfrm>
+            <a:off x="2729991" y="4097041"/>
+            <a:ext cx="3276600" cy="729858"/>
+          </a:xfrm>
+          <a:prstGeom prst="rect">
+            <a:avLst/>
+          </a:prstGeom>
+        </p:spPr>
+      </p:pic>
+      <p:pic>
+        <p:nvPicPr>
+          <p:cNvPr id="10" name="Picture 9"/>
+          <p:cNvPicPr>
+            <a:picLocks noChangeAspect="1"/>
+          </p:cNvPicPr>
+          <p:nvPr/>
+        </p:nvPicPr>
+        <p:blipFill>
+          <a:blip r:embed="rId6">
+            <a:extLst>
+              <a:ext uri="{28A0092B-C50C-407E-A947-70E740481C1C}">
+                <a14:useLocalDpi xmlns:a14="http://schemas.microsoft.com/office/drawing/2010/main" val="0"/>
+              </a:ext>
+            </a:extLst>
+          </a:blip>
+          <a:stretch>
+            <a:fillRect/>
+          </a:stretch>
+        </p:blipFill>
+        <p:spPr>
+          <a:xfrm>
+            <a:off x="6674756" y="3942421"/>
+            <a:ext cx="1250044" cy="1039099"/>
+          </a:xfrm>
+          <a:prstGeom prst="rect">
+            <a:avLst/>
+          </a:prstGeom>
+        </p:spPr>
+      </p:pic>
+      <p:sp>
+        <p:nvSpPr>
+          <p:cNvPr id="12" name="Title 1"/>
+          <p:cNvSpPr txBox="1">
+            <a:spLocks/>
+          </p:cNvSpPr>
+          <p:nvPr/>
+        </p:nvSpPr>
+        <p:spPr>
+          <a:xfrm>
+            <a:off x="685800" y="3512136"/>
+            <a:ext cx="7772400" cy="1745047"/>
+          </a:xfrm>
+          <a:prstGeom prst="rect">
+            <a:avLst/>
+          </a:prstGeom>
+          <a:ln>
+            <a:solidFill>
+              <a:schemeClr val="tx1">
+                <a:lumMod val="75000"/>
+                <a:lumOff val="25000"/>
+              </a:schemeClr>
+            </a:solidFill>
+          </a:ln>
+        </p:spPr>
+        <p:txBody>
+          <a:bodyPr vert="horz" lIns="91440" tIns="45720" rIns="91440" bIns="45720" rtlCol="0" anchor="b">
+            <a:normAutofit/>
+          </a:bodyPr>
+          <a:lstStyle>
+            <a:lvl1pPr algn="ctr" defTabSz="914400" rtl="0" eaLnBrk="1" latinLnBrk="0" hangingPunct="1">
+              <a:spcBef>
+                <a:spcPct val="0"/>
+              </a:spcBef>
+              <a:buNone/>
+              <a:defRPr sz="4400" kern="1200">
+                <a:solidFill>
+                  <a:schemeClr val="tx1"/>
+                </a:solidFill>
+                <a:latin typeface="+mj-lt"/>
+                <a:ea typeface="+mj-ea"/>
+                <a:cs typeface="+mj-cs"/>
+              </a:defRPr>
+            </a:lvl1pPr>
+          </a:lstStyle>
+          <a:p>
+            <a:r>
+              <a:rPr lang="en-US" sz="1800" i="1" dirty="0" smtClean="0"/>
+              <a:t>Hat tip to our sponsors</a:t>
+            </a:r>
+            <a:endParaRPr lang="en-US" sz="1800" i="1" dirty="0"/>
+          </a:p>
+        </p:txBody>
+      </p:sp>
+    </p:spTree>
+    <p:extLst>
+      <p:ext uri="{BB962C8B-B14F-4D97-AF65-F5344CB8AC3E}">
+        <p14:creationId xmlns:p14="http://schemas.microsoft.com/office/powerpoint/2010/main" val="2458440196"/>
+      </p:ext>
+    </p:extLst>
+  </p:cSld>
+  <p:clrMapOvr>
+    <a:masterClrMapping/>
+  </p:clrMapOvr>
+  <p:timing>
+    <p:tnLst>
+      <p:par>
+        <p:cTn id="1" dur="indefinite" restart="never" nodeType="tmRoot"/>
+      </p:par>
+    </p:tnLst>
+  </p:timing>
+</p:sld>
+</file>
+
+<file path=ppt/slides/slide2.xml><?xml version="1.0" encoding="utf-8"?>
+<p:sld xmlns:a="http://schemas.openxmlformats.org/drawingml/2006/main" xmlns:r="http://schemas.openxmlformats.org/officeDocument/2006/relationships" xmlns:p="http://schemas.openxmlformats.org/presentationml/2006/main" show="0">
+  <p:cSld>
+    <p:spTree>
+      <p:nvGrpSpPr>
+        <p:cNvPr id="1" name=""/>
+        <p:cNvGrpSpPr/>
+        <p:nvPr/>
+      </p:nvGrpSpPr>
+      <p:grpSpPr>
+        <a:xfrm>
+          <a:off x="0" y="0"/>
+          <a:ext cx="0" cy="0"/>
+          <a:chOff x="0" y="0"/>
+          <a:chExt cx="0" cy="0"/>
+        </a:xfrm>
+      </p:grpSpPr>
+      <p:sp>
+        <p:nvSpPr>
           <p:cNvPr id="2" name="Title 1"/>
           <p:cNvSpPr>
             <a:spLocks noGrp="1"/>
@@ -3329,13 +4294,21 @@
     </p:spTree>
     <p:extLst>
       <p:ext uri="{BB962C8B-B14F-4D97-AF65-F5344CB8AC3E}">
-        <p14:creationId xmlns:p14="http://schemas.microsoft.com/office/powerpoint/2010/main" val="2458440196"/>
+        <p14:creationId xmlns:p14="http://schemas.microsoft.com/office/powerpoint/2010/main" val="433594612"/>
       </p:ext>
     </p:extLst>
   </p:cSld>
   <p:clrMapOvr>
     <a:masterClrMapping/>
   </p:clrMapOvr>
+  <mc:AlternateContent xmlns:mc="http://schemas.openxmlformats.org/markup-compatibility/2006">
+    <mc:Choice xmlns:p14="http://schemas.microsoft.com/office/powerpoint/2010/main" Requires="p14">
+      <p:transition spd="slow" p14:dur="2000"/>
+    </mc:Choice>
+    <mc:Fallback>
+      <p:transition spd="slow"/>
+    </mc:Fallback>
+  </mc:AlternateContent>
   <p:timing>
     <p:tnLst>
       <p:par>
@@ -3346,8 +4319,8 @@
 </p:sld>
 </file>
 
-<file path=ppt/slides/slide2.xml><?xml version="1.0" encoding="utf-8"?>
-<p:sld xmlns:a="http://schemas.openxmlformats.org/drawingml/2006/main" xmlns:r="http://schemas.openxmlformats.org/officeDocument/2006/relationships" xmlns:p="http://schemas.openxmlformats.org/presentationml/2006/main">
+<file path=ppt/slides/slide3.xml><?xml version="1.0" encoding="utf-8"?>
+<p:sld xmlns:a="http://schemas.openxmlformats.org/drawingml/2006/main" xmlns:r="http://schemas.openxmlformats.org/officeDocument/2006/relationships" xmlns:p="http://schemas.openxmlformats.org/presentationml/2006/main" show="0">
   <p:cSld>
     <p:spTree>
       <p:nvGrpSpPr>
@@ -3418,6 +4391,14 @@
   <p:clrMapOvr>
     <a:masterClrMapping/>
   </p:clrMapOvr>
+  <mc:AlternateContent xmlns:mc="http://schemas.openxmlformats.org/markup-compatibility/2006">
+    <mc:Choice xmlns:p14="http://schemas.microsoft.com/office/powerpoint/2010/main" Requires="p14">
+      <p:transition spd="slow" p14:dur="2000"/>
+    </mc:Choice>
+    <mc:Fallback>
+      <p:transition spd="slow"/>
+    </mc:Fallback>
+  </mc:AlternateContent>
   <p:timing>
     <p:tnLst>
       <p:par>
@@ -3428,7 +4409,7 @@
 </p:sld>
 </file>
 
-<file path=ppt/slides/slide3.xml><?xml version="1.0" encoding="utf-8"?>
+<file path=ppt/slides/slide4.xml><?xml version="1.0" encoding="utf-8"?>
 <p:sld xmlns:a="http://schemas.openxmlformats.org/drawingml/2006/main" xmlns:r="http://schemas.openxmlformats.org/officeDocument/2006/relationships" xmlns:p="http://schemas.openxmlformats.org/presentationml/2006/main" show="0">
   <p:cSld>
     <p:spTree>
@@ -3477,7 +4458,7 @@
           <a:noFill/>
           <a:extLst>
             <a:ext uri="{909E8E84-426E-40dd-AFC4-6F175D3DCCD1}">
-              <a14:hiddenFill xmlns:a14="http://schemas.microsoft.com/office/drawing/2010/main" xmlns="">
+              <a14:hiddenFill xmlns="" xmlns:a14="http://schemas.microsoft.com/office/drawing/2010/main">
                 <a:solidFill>
                   <a:srgbClr val="FFFFFF"/>
                 </a:solidFill>
@@ -3905,4 +4886,265 @@
   <a:objectDefaults/>
   <a:extraClrSchemeLst/>
 </a:theme>
+</file>
+
+<file path=ppt/theme/theme2.xml><?xml version="1.0" encoding="utf-8"?>
+<a:theme xmlns:a="http://schemas.openxmlformats.org/drawingml/2006/main" name="Office Theme">
+  <a:themeElements>
+    <a:clrScheme name="Office">
+      <a:dk1>
+        <a:sysClr val="windowText" lastClr="000000"/>
+      </a:dk1>
+      <a:lt1>
+        <a:sysClr val="window" lastClr="FFFFFF"/>
+      </a:lt1>
+      <a:dk2>
+        <a:srgbClr val="44546A"/>
+      </a:dk2>
+      <a:lt2>
+        <a:srgbClr val="E7E6E6"/>
+      </a:lt2>
+      <a:accent1>
+        <a:srgbClr val="5B9BD5"/>
+      </a:accent1>
+      <a:accent2>
+        <a:srgbClr val="ED7D31"/>
+      </a:accent2>
+      <a:accent3>
+        <a:srgbClr val="A5A5A5"/>
+      </a:accent3>
+      <a:accent4>
+        <a:srgbClr val="FFC000"/>
+      </a:accent4>
+      <a:accent5>
+        <a:srgbClr val="4472C4"/>
+      </a:accent5>
+      <a:accent6>
+        <a:srgbClr val="70AD47"/>
+      </a:accent6>
+      <a:hlink>
+        <a:srgbClr val="0563C1"/>
+      </a:hlink>
+      <a:folHlink>
+        <a:srgbClr val="954F72"/>
+      </a:folHlink>
+    </a:clrScheme>
+    <a:fontScheme name="Office">
+      <a:majorFont>
+        <a:latin typeface="Calibri Light" panose="020F0302020204030204"/>
+        <a:ea typeface=""/>
+        <a:cs typeface=""/>
+        <a:font script="Jpan" typeface="Yu Gothic Light"/>
+        <a:font script="Hang" typeface="맑은 고딕"/>
+        <a:font script="Hans" typeface="DengXian Light"/>
+        <a:font script="Hant" typeface="新細明體"/>
+        <a:font script="Arab" typeface="Times New Roman"/>
+        <a:font script="Hebr" typeface="Times New Roman"/>
+        <a:font script="Thai" typeface="Angsana New"/>
+        <a:font script="Ethi" typeface="Nyala"/>
+        <a:font script="Beng" typeface="Vrinda"/>
+        <a:font script="Gujr" typeface="Shruti"/>
+        <a:font script="Khmr" typeface="MoolBoran"/>
+        <a:font script="Knda" typeface="Tunga"/>
+        <a:font script="Guru" typeface="Raavi"/>
+        <a:font script="Cans" typeface="Euphemia"/>
+        <a:font script="Cher" typeface="Plantagenet Cherokee"/>
+        <a:font script="Yiii" typeface="Microsoft Yi Baiti"/>
+        <a:font script="Tibt" typeface="Microsoft Himalaya"/>
+        <a:font script="Thaa" typeface="MV Boli"/>
+        <a:font script="Deva" typeface="Mangal"/>
+        <a:font script="Telu" typeface="Gautami"/>
+        <a:font script="Taml" typeface="Latha"/>
+        <a:font script="Syrc" typeface="Estrangelo Edessa"/>
+        <a:font script="Orya" typeface="Kalinga"/>
+        <a:font script="Mlym" typeface="Kartika"/>
+        <a:font script="Laoo" typeface="DokChampa"/>
+        <a:font script="Sinh" typeface="Iskoola Pota"/>
+        <a:font script="Mong" typeface="Mongolian Baiti"/>
+        <a:font script="Viet" typeface="Times New Roman"/>
+        <a:font script="Uigh" typeface="Microsoft Uighur"/>
+        <a:font script="Geor" typeface="Sylfaen"/>
+      </a:majorFont>
+      <a:minorFont>
+        <a:latin typeface="Calibri" panose="020F0502020204030204"/>
+        <a:ea typeface=""/>
+        <a:cs typeface=""/>
+        <a:font script="Jpan" typeface="Yu Gothic"/>
+        <a:font script="Hang" typeface="맑은 고딕"/>
+        <a:font script="Hans" typeface="DengXian"/>
+        <a:font script="Hant" typeface="新細明體"/>
+        <a:font script="Arab" typeface="Arial"/>
+        <a:font script="Hebr" typeface="Arial"/>
+        <a:font script="Thai" typeface="Cordia New"/>
+        <a:font script="Ethi" typeface="Nyala"/>
+        <a:font script="Beng" typeface="Vrinda"/>
+        <a:font script="Gujr" typeface="Shruti"/>
+        <a:font script="Khmr" typeface="DaunPenh"/>
+        <a:font script="Knda" typeface="Tunga"/>
+        <a:font script="Guru" typeface="Raavi"/>
+        <a:font script="Cans" typeface="Euphemia"/>
+        <a:font script="Cher" typeface="Plantagenet Cherokee"/>
+        <a:font script="Yiii" typeface="Microsoft Yi Baiti"/>
+        <a:font script="Tibt" typeface="Microsoft Himalaya"/>
+        <a:font script="Thaa" typeface="MV Boli"/>
+        <a:font script="Deva" typeface="Mangal"/>
+        <a:font script="Telu" typeface="Gautami"/>
+        <a:font script="Taml" typeface="Latha"/>
+        <a:font script="Syrc" typeface="Estrangelo Edessa"/>
+        <a:font script="Orya" typeface="Kalinga"/>
+        <a:font script="Mlym" typeface="Kartika"/>
+        <a:font script="Laoo" typeface="DokChampa"/>
+        <a:font script="Sinh" typeface="Iskoola Pota"/>
+        <a:font script="Mong" typeface="Mongolian Baiti"/>
+        <a:font script="Viet" typeface="Arial"/>
+        <a:font script="Uigh" typeface="Microsoft Uighur"/>
+        <a:font script="Geor" typeface="Sylfaen"/>
+      </a:minorFont>
+    </a:fontScheme>
+    <a:fmtScheme name="Office">
+      <a:fillStyleLst>
+        <a:solidFill>
+          <a:schemeClr val="phClr"/>
+        </a:solidFill>
+        <a:gradFill rotWithShape="1">
+          <a:gsLst>
+            <a:gs pos="0">
+              <a:schemeClr val="phClr">
+                <a:lumMod val="110000"/>
+                <a:satMod val="105000"/>
+                <a:tint val="67000"/>
+              </a:schemeClr>
+            </a:gs>
+            <a:gs pos="50000">
+              <a:schemeClr val="phClr">
+                <a:lumMod val="105000"/>
+                <a:satMod val="103000"/>
+                <a:tint val="73000"/>
+              </a:schemeClr>
+            </a:gs>
+            <a:gs pos="100000">
+              <a:schemeClr val="phClr">
+                <a:lumMod val="105000"/>
+                <a:satMod val="109000"/>
+                <a:tint val="81000"/>
+              </a:schemeClr>
+            </a:gs>
+          </a:gsLst>
+          <a:lin ang="5400000" scaled="0"/>
+        </a:gradFill>
+        <a:gradFill rotWithShape="1">
+          <a:gsLst>
+            <a:gs pos="0">
+              <a:schemeClr val="phClr">
+                <a:satMod val="103000"/>
+                <a:lumMod val="102000"/>
+                <a:tint val="94000"/>
+              </a:schemeClr>
+            </a:gs>
+            <a:gs pos="50000">
+              <a:schemeClr val="phClr">
+                <a:satMod val="110000"/>
+                <a:lumMod val="100000"/>
+                <a:shade val="100000"/>
+              </a:schemeClr>
+            </a:gs>
+            <a:gs pos="100000">
+              <a:schemeClr val="phClr">
+                <a:lumMod val="99000"/>
+                <a:satMod val="120000"/>
+                <a:shade val="78000"/>
+              </a:schemeClr>
+            </a:gs>
+          </a:gsLst>
+          <a:lin ang="5400000" scaled="0"/>
+        </a:gradFill>
+      </a:fillStyleLst>
+      <a:lnStyleLst>
+        <a:ln w="6350" cap="flat" cmpd="sng" algn="ctr">
+          <a:solidFill>
+            <a:schemeClr val="phClr"/>
+          </a:solidFill>
+          <a:prstDash val="solid"/>
+          <a:miter lim="800000"/>
+        </a:ln>
+        <a:ln w="12700" cap="flat" cmpd="sng" algn="ctr">
+          <a:solidFill>
+            <a:schemeClr val="phClr"/>
+          </a:solidFill>
+          <a:prstDash val="solid"/>
+          <a:miter lim="800000"/>
+        </a:ln>
+        <a:ln w="19050" cap="flat" cmpd="sng" algn="ctr">
+          <a:solidFill>
+            <a:schemeClr val="phClr"/>
+          </a:solidFill>
+          <a:prstDash val="solid"/>
+          <a:miter lim="800000"/>
+        </a:ln>
+      </a:lnStyleLst>
+      <a:effectStyleLst>
+        <a:effectStyle>
+          <a:effectLst/>
+        </a:effectStyle>
+        <a:effectStyle>
+          <a:effectLst/>
+        </a:effectStyle>
+        <a:effectStyle>
+          <a:effectLst>
+            <a:outerShdw blurRad="57150" dist="19050" dir="5400000" algn="ctr" rotWithShape="0">
+              <a:srgbClr val="000000">
+                <a:alpha val="63000"/>
+              </a:srgbClr>
+            </a:outerShdw>
+          </a:effectLst>
+        </a:effectStyle>
+      </a:effectStyleLst>
+      <a:bgFillStyleLst>
+        <a:solidFill>
+          <a:schemeClr val="phClr"/>
+        </a:solidFill>
+        <a:solidFill>
+          <a:schemeClr val="phClr">
+            <a:tint val="95000"/>
+            <a:satMod val="170000"/>
+          </a:schemeClr>
+        </a:solidFill>
+        <a:gradFill rotWithShape="1">
+          <a:gsLst>
+            <a:gs pos="0">
+              <a:schemeClr val="phClr">
+                <a:tint val="93000"/>
+                <a:satMod val="150000"/>
+                <a:shade val="98000"/>
+                <a:lumMod val="102000"/>
+              </a:schemeClr>
+            </a:gs>
+            <a:gs pos="50000">
+              <a:schemeClr val="phClr">
+                <a:tint val="98000"/>
+                <a:satMod val="130000"/>
+                <a:shade val="90000"/>
+                <a:lumMod val="103000"/>
+              </a:schemeClr>
+            </a:gs>
+            <a:gs pos="100000">
+              <a:schemeClr val="phClr">
+                <a:shade val="63000"/>
+                <a:satMod val="120000"/>
+              </a:schemeClr>
+            </a:gs>
+          </a:gsLst>
+          <a:lin ang="5400000" scaled="0"/>
+        </a:gradFill>
+      </a:bgFillStyleLst>
+    </a:fmtScheme>
+  </a:themeElements>
+  <a:objectDefaults/>
+  <a:extraClrSchemeLst/>
+  <a:extLst>
+    <a:ext uri="{05A4C25C-085E-4340-85A3-A5531E510DB2}">
+      <thm15:themeFamily xmlns:thm15="http://schemas.microsoft.com/office/thememl/2012/main" name="Office Theme" id="{62F939B6-93AF-4DB8-9C6B-D6C7DFDC589F}" vid="{4A3C46E8-61CC-4603-A589-7422A47A8E4A}"/>
+    </a:ext>
+  </a:extLst>
+</a:theme>
 </file>